--- a/บทที่8.pptx
+++ b/บทที่8.pptx
@@ -7,11 +7,12 @@
   <p:sldIdLst>
     <p:sldId id="256" r:id="rId2"/>
     <p:sldId id="257" r:id="rId3"/>
-    <p:sldId id="258" r:id="rId4"/>
-    <p:sldId id="259" r:id="rId5"/>
-    <p:sldId id="260" r:id="rId6"/>
-    <p:sldId id="261" r:id="rId7"/>
-    <p:sldId id="262" r:id="rId8"/>
+    <p:sldId id="263" r:id="rId4"/>
+    <p:sldId id="258" r:id="rId5"/>
+    <p:sldId id="259" r:id="rId6"/>
+    <p:sldId id="260" r:id="rId7"/>
+    <p:sldId id="261" r:id="rId8"/>
+    <p:sldId id="262" r:id="rId9"/>
   </p:sldIdLst>
   <p:sldSz cx="12192000" cy="6858000"/>
   <p:notesSz cx="6858000" cy="9144000"/>
@@ -110,6 +111,11 @@
       </a:defRPr>
     </a:lvl9pPr>
   </p:defaultTextStyle>
+  <p:extLst>
+    <p:ext uri="{EFAFB233-063F-42B5-8137-9DF3F51BA10A}">
+      <p15:sldGuideLst xmlns:p15="http://schemas.microsoft.com/office/powerpoint/2012/main"/>
+    </p:ext>
+  </p:extLst>
 </p:presentation>
 </file>
 
@@ -244,7 +250,7 @@
           <a:p>
             <a:fld id="{83207A28-1BD0-4983-8E54-E4BC8AF6EDC9}" type="datetimeFigureOut">
               <a:rPr lang="th-TH" smtClean="0"/>
-              <a:t>24/04/63</a:t>
+              <a:t>27/04/63</a:t>
             </a:fld>
             <a:endParaRPr lang="th-TH"/>
           </a:p>
@@ -414,7 +420,7 @@
           <a:p>
             <a:fld id="{83207A28-1BD0-4983-8E54-E4BC8AF6EDC9}" type="datetimeFigureOut">
               <a:rPr lang="th-TH" smtClean="0"/>
-              <a:t>24/04/63</a:t>
+              <a:t>27/04/63</a:t>
             </a:fld>
             <a:endParaRPr lang="th-TH"/>
           </a:p>
@@ -594,7 +600,7 @@
           <a:p>
             <a:fld id="{83207A28-1BD0-4983-8E54-E4BC8AF6EDC9}" type="datetimeFigureOut">
               <a:rPr lang="th-TH" smtClean="0"/>
-              <a:t>24/04/63</a:t>
+              <a:t>27/04/63</a:t>
             </a:fld>
             <a:endParaRPr lang="th-TH"/>
           </a:p>
@@ -764,7 +770,7 @@
           <a:p>
             <a:fld id="{83207A28-1BD0-4983-8E54-E4BC8AF6EDC9}" type="datetimeFigureOut">
               <a:rPr lang="th-TH" smtClean="0"/>
-              <a:t>24/04/63</a:t>
+              <a:t>27/04/63</a:t>
             </a:fld>
             <a:endParaRPr lang="th-TH"/>
           </a:p>
@@ -1010,7 +1016,7 @@
           <a:p>
             <a:fld id="{83207A28-1BD0-4983-8E54-E4BC8AF6EDC9}" type="datetimeFigureOut">
               <a:rPr lang="th-TH" smtClean="0"/>
-              <a:t>24/04/63</a:t>
+              <a:t>27/04/63</a:t>
             </a:fld>
             <a:endParaRPr lang="th-TH"/>
           </a:p>
@@ -1242,7 +1248,7 @@
           <a:p>
             <a:fld id="{83207A28-1BD0-4983-8E54-E4BC8AF6EDC9}" type="datetimeFigureOut">
               <a:rPr lang="th-TH" smtClean="0"/>
-              <a:t>24/04/63</a:t>
+              <a:t>27/04/63</a:t>
             </a:fld>
             <a:endParaRPr lang="th-TH"/>
           </a:p>
@@ -1609,7 +1615,7 @@
           <a:p>
             <a:fld id="{83207A28-1BD0-4983-8E54-E4BC8AF6EDC9}" type="datetimeFigureOut">
               <a:rPr lang="th-TH" smtClean="0"/>
-              <a:t>24/04/63</a:t>
+              <a:t>27/04/63</a:t>
             </a:fld>
             <a:endParaRPr lang="th-TH"/>
           </a:p>
@@ -1727,7 +1733,7 @@
           <a:p>
             <a:fld id="{83207A28-1BD0-4983-8E54-E4BC8AF6EDC9}" type="datetimeFigureOut">
               <a:rPr lang="th-TH" smtClean="0"/>
-              <a:t>24/04/63</a:t>
+              <a:t>27/04/63</a:t>
             </a:fld>
             <a:endParaRPr lang="th-TH"/>
           </a:p>
@@ -1822,7 +1828,7 @@
           <a:p>
             <a:fld id="{83207A28-1BD0-4983-8E54-E4BC8AF6EDC9}" type="datetimeFigureOut">
               <a:rPr lang="th-TH" smtClean="0"/>
-              <a:t>24/04/63</a:t>
+              <a:t>27/04/63</a:t>
             </a:fld>
             <a:endParaRPr lang="th-TH"/>
           </a:p>
@@ -2099,7 +2105,7 @@
           <a:p>
             <a:fld id="{83207A28-1BD0-4983-8E54-E4BC8AF6EDC9}" type="datetimeFigureOut">
               <a:rPr lang="th-TH" smtClean="0"/>
-              <a:t>24/04/63</a:t>
+              <a:t>27/04/63</a:t>
             </a:fld>
             <a:endParaRPr lang="th-TH"/>
           </a:p>
@@ -2352,7 +2358,7 @@
           <a:p>
             <a:fld id="{83207A28-1BD0-4983-8E54-E4BC8AF6EDC9}" type="datetimeFigureOut">
               <a:rPr lang="th-TH" smtClean="0"/>
-              <a:t>24/04/63</a:t>
+              <a:t>27/04/63</a:t>
             </a:fld>
             <a:endParaRPr lang="th-TH"/>
           </a:p>
@@ -2565,7 +2571,7 @@
           <a:p>
             <a:fld id="{83207A28-1BD0-4983-8E54-E4BC8AF6EDC9}" type="datetimeFigureOut">
               <a:rPr lang="th-TH" smtClean="0"/>
-              <a:t>24/04/63</a:t>
+              <a:t>27/04/63</a:t>
             </a:fld>
             <a:endParaRPr lang="th-TH"/>
           </a:p>
@@ -2990,8 +2996,8 @@
         </p:nvSpPr>
         <p:spPr>
           <a:xfrm>
-            <a:off x="1724297" y="914400"/>
-            <a:ext cx="9052560" cy="707886"/>
+            <a:off x="1567543" y="992778"/>
+            <a:ext cx="9052560" cy="830997"/>
           </a:xfrm>
           <a:prstGeom prst="rect">
             <a:avLst/>
@@ -3005,12 +3011,12 @@
           <a:lstStyle/>
           <a:p>
             <a:r>
-              <a:rPr lang="th-TH" sz="4000" b="1" dirty="0" smtClean="0">
+              <a:rPr lang="th-TH" sz="4800" b="1" dirty="0" smtClean="0">
                 <a:cs typeface="+mj-cs"/>
               </a:rPr>
               <a:t>การโต้ตอบด้วยคำถามและคำตอบ</a:t>
             </a:r>
-            <a:endParaRPr lang="th-TH" sz="4000" b="1" dirty="0">
+            <a:endParaRPr lang="th-TH" sz="4800" b="1" dirty="0">
               <a:cs typeface="+mj-cs"/>
             </a:endParaRPr>
           </a:p>
@@ -3025,7 +3031,7 @@
         <p:spPr>
           <a:xfrm>
             <a:off x="1567543" y="2142309"/>
-            <a:ext cx="8477794" cy="1384995"/>
+            <a:ext cx="8477794" cy="1754326"/>
           </a:xfrm>
           <a:prstGeom prst="rect">
             <a:avLst/>
@@ -3039,12 +3045,12 @@
           <a:lstStyle/>
           <a:p>
             <a:r>
-              <a:rPr lang="th-TH" dirty="0" smtClean="0">
+              <a:rPr lang="th-TH" sz="3600" dirty="0" smtClean="0">
                 <a:cs typeface="+mj-cs"/>
               </a:rPr>
               <a:t>เป็นส่วนเสริมที่สามารถนำไปใช้ผนวกเพิ่มเติมร่วมกับอินเตอร์เฟชในรูปแบบอื่นๆได้ โดยระบบจะแสดงคำถามบนจอภาพ ให้ผู้ใช้โต้ตอบด้วยการตอบคำถามตามลำดับ เช่น การจองรถผ่านระบบเว็บ</a:t>
             </a:r>
-            <a:endParaRPr lang="th-TH" dirty="0">
+            <a:endParaRPr lang="th-TH" sz="3600" dirty="0">
               <a:cs typeface="+mj-cs"/>
             </a:endParaRPr>
           </a:p>
@@ -3097,8 +3103,8 @@
         </p:nvSpPr>
         <p:spPr>
           <a:xfrm>
-            <a:off x="1698170" y="927463"/>
-            <a:ext cx="7720149" cy="707886"/>
+            <a:off x="1737359" y="561703"/>
+            <a:ext cx="7720149" cy="769441"/>
           </a:xfrm>
           <a:prstGeom prst="rect">
             <a:avLst/>
@@ -3112,24 +3118,24 @@
           <a:lstStyle/>
           <a:p>
             <a:r>
-              <a:rPr lang="th-TH" sz="4000" b="1" dirty="0" smtClean="0">
+              <a:rPr lang="th-TH" sz="4400" b="1" dirty="0" smtClean="0">
                 <a:cs typeface="+mj-cs"/>
               </a:rPr>
               <a:t>กฎทอง </a:t>
             </a:r>
             <a:r>
-              <a:rPr lang="en-US" sz="4000" b="1" dirty="0" smtClean="0">
+              <a:rPr lang="en-US" sz="4400" b="1" dirty="0" smtClean="0">
                 <a:cs typeface="+mj-cs"/>
               </a:rPr>
               <a:t>8 </a:t>
             </a:r>
             <a:r>
-              <a:rPr lang="th-TH" sz="4000" b="1" dirty="0" smtClean="0">
+              <a:rPr lang="th-TH" sz="4400" b="1" dirty="0" smtClean="0">
                 <a:cs typeface="+mj-cs"/>
               </a:rPr>
               <a:t>ข้อสำหรับการออกแบบอินเตอร์เฟช</a:t>
             </a:r>
-            <a:endParaRPr lang="th-TH" sz="4000" b="1" dirty="0">
+            <a:endParaRPr lang="th-TH" sz="4400" b="1" dirty="0">
               <a:cs typeface="+mj-cs"/>
             </a:endParaRPr>
           </a:p>
@@ -3143,8 +3149,8 @@
         </p:nvSpPr>
         <p:spPr>
           <a:xfrm>
-            <a:off x="1685109" y="1881051"/>
-            <a:ext cx="7733211" cy="3539430"/>
+            <a:off x="1319348" y="1487898"/>
+            <a:ext cx="9235440" cy="5016758"/>
           </a:xfrm>
           <a:prstGeom prst="rect">
             <a:avLst/>
@@ -3161,73 +3167,139 @@
               <a:buAutoNum type="arabicPeriod"/>
             </a:pPr>
             <a:r>
-              <a:rPr lang="th-TH" dirty="0" smtClean="0">
-                <a:cs typeface="+mj-cs"/>
-              </a:rPr>
-              <a:t>มุ่งเน้นความสอดคล้อง</a:t>
-            </a:r>
+              <a:rPr lang="th-TH" sz="3200" dirty="0" smtClean="0">
+                <a:cs typeface="+mj-cs"/>
+              </a:rPr>
+              <a:t>มุ่งเน้นความ</a:t>
+            </a:r>
+            <a:r>
+              <a:rPr lang="th-TH" sz="3200" dirty="0" smtClean="0">
+                <a:cs typeface="+mj-cs"/>
+              </a:rPr>
+              <a:t>สอดคล้อง รูปแบบอินเตอร์เฟชของระบบ เช่น รูปแบบเมนู ไอคอน และการใช้เฉดสี</a:t>
+            </a:r>
+            <a:endParaRPr lang="th-TH" sz="3200" dirty="0" smtClean="0">
+              <a:cs typeface="+mj-cs"/>
+            </a:endParaRPr>
           </a:p>
           <a:p>
             <a:pPr marL="514350" indent="-514350">
               <a:buAutoNum type="arabicPeriod"/>
             </a:pPr>
             <a:r>
-              <a:rPr lang="th-TH" dirty="0" smtClean="0">
-                <a:cs typeface="+mj-cs"/>
-              </a:rPr>
-              <a:t>สร้างทางลัดการใช้งานให้กับผู้ใช้</a:t>
-            </a:r>
+              <a:rPr lang="th-TH" sz="3200" dirty="0" smtClean="0">
+                <a:cs typeface="+mj-cs"/>
+              </a:rPr>
+              <a:t>สร้างทางลัดการใช้งานให้กับ</a:t>
+            </a:r>
+            <a:r>
+              <a:rPr lang="th-TH" sz="3200" dirty="0" smtClean="0">
+                <a:cs typeface="+mj-cs"/>
+              </a:rPr>
+              <a:t>ผู้ใช้ ช่วยลดขั้นตอนการใช้งาน</a:t>
+            </a:r>
+            <a:endParaRPr lang="th-TH" sz="3200" dirty="0" smtClean="0">
+              <a:cs typeface="+mj-cs"/>
+            </a:endParaRPr>
           </a:p>
           <a:p>
             <a:pPr marL="514350" indent="-514350">
               <a:buAutoNum type="arabicPeriod"/>
             </a:pPr>
             <a:r>
-              <a:rPr lang="th-TH" dirty="0" smtClean="0">
-                <a:cs typeface="+mj-cs"/>
-              </a:rPr>
-              <a:t>ในระหว่างการโต้ตอบ</a:t>
-            </a:r>
+              <a:rPr lang="th-TH" sz="3200" dirty="0" smtClean="0">
+                <a:cs typeface="+mj-cs"/>
+              </a:rPr>
+              <a:t>ในระหว่างการ</a:t>
+            </a:r>
+            <a:r>
+              <a:rPr lang="th-TH" sz="3200" dirty="0" smtClean="0">
+                <a:cs typeface="+mj-cs"/>
+              </a:rPr>
+              <a:t>โต้ตอบ จะต้องมีผลป้อนกลับทุกๆกิจกรรม</a:t>
+            </a:r>
+            <a:endParaRPr lang="th-TH" sz="3200" dirty="0" smtClean="0">
+              <a:cs typeface="+mj-cs"/>
+            </a:endParaRPr>
           </a:p>
           <a:p>
             <a:pPr marL="514350" indent="-514350">
               <a:buAutoNum type="arabicPeriod"/>
             </a:pPr>
             <a:r>
-              <a:rPr lang="th-TH" dirty="0" smtClean="0">
-                <a:cs typeface="+mj-cs"/>
-              </a:rPr>
-              <a:t>ออกแบบการโต้ตอบให้จบเป็นเรื่องๆ</a:t>
-            </a:r>
+              <a:rPr lang="th-TH" sz="3200" dirty="0" smtClean="0">
+                <a:cs typeface="+mj-cs"/>
+              </a:rPr>
+              <a:t>ออกแบบการโต้ตอบให้จบเป็น</a:t>
+            </a:r>
+            <a:r>
+              <a:rPr lang="th-TH" sz="3200" dirty="0" smtClean="0">
+                <a:cs typeface="+mj-cs"/>
+              </a:rPr>
+              <a:t>เรื่องๆ ต้องจัดลำดับไว้อย่างชัดเจน</a:t>
+            </a:r>
+            <a:endParaRPr lang="th-TH" sz="3200" dirty="0" smtClean="0">
+              <a:cs typeface="+mj-cs"/>
+            </a:endParaRPr>
           </a:p>
           <a:p>
             <a:pPr marL="514350" indent="-514350">
               <a:buAutoNum type="arabicPeriod"/>
             </a:pPr>
             <a:r>
-              <a:rPr lang="th-TH" dirty="0" smtClean="0">
-                <a:cs typeface="+mj-cs"/>
-              </a:rPr>
-              <a:t>ป้องกันข้อผิดพลาด</a:t>
-            </a:r>
+              <a:rPr lang="th-TH" sz="3200" dirty="0" smtClean="0">
+                <a:cs typeface="+mj-cs"/>
+              </a:rPr>
+              <a:t>ป้องกัน</a:t>
+            </a:r>
+            <a:r>
+              <a:rPr lang="th-TH" sz="3200" dirty="0" smtClean="0">
+                <a:cs typeface="+mj-cs"/>
+              </a:rPr>
+              <a:t>ข้อผิดพลาด ระบบจะต้องให้คำแนะนำ</a:t>
+            </a:r>
+            <a:endParaRPr lang="th-TH" sz="3200" dirty="0" smtClean="0">
+              <a:cs typeface="+mj-cs"/>
+            </a:endParaRPr>
           </a:p>
           <a:p>
             <a:pPr marL="514350" indent="-514350">
               <a:buAutoNum type="arabicPeriod"/>
             </a:pPr>
             <a:r>
-              <a:rPr lang="th-TH" dirty="0" smtClean="0">
-                <a:cs typeface="+mj-cs"/>
-              </a:rPr>
-              <a:t>อนุญาตให้ย้อนการกระทำในสิ่งที่เคยทำลงไป</a:t>
-            </a:r>
+              <a:rPr lang="th-TH" sz="3200" dirty="0" smtClean="0">
+                <a:cs typeface="+mj-cs"/>
+              </a:rPr>
+              <a:t>อนุญาตให้ย้อนการกระทำในสิ่งที่เคยทำลง</a:t>
+            </a:r>
+            <a:r>
+              <a:rPr lang="th-TH" sz="3200" dirty="0" smtClean="0">
+                <a:cs typeface="+mj-cs"/>
+              </a:rPr>
+              <a:t>ไป เมื่อเกิดความผิดพลาดก็สามารถ</a:t>
+            </a:r>
+            <a:r>
+              <a:rPr lang="en-US" sz="3200" dirty="0" smtClean="0">
+                <a:cs typeface="+mj-cs"/>
+              </a:rPr>
+              <a:t> Undo </a:t>
+            </a:r>
+            <a:r>
+              <a:rPr lang="th-TH" sz="3200" dirty="0" smtClean="0">
+                <a:cs typeface="+mj-cs"/>
+              </a:rPr>
+              <a:t>ได้</a:t>
+            </a:r>
+            <a:endParaRPr lang="th-TH" sz="3200" dirty="0" smtClean="0">
+              <a:cs typeface="+mj-cs"/>
+            </a:endParaRPr>
           </a:p>
           <a:p>
             <a:pPr marL="514350" indent="-514350">
               <a:buAutoNum type="arabicPeriod"/>
             </a:pPr>
             <a:r>
-              <a:rPr lang="th-TH" dirty="0" smtClean="0">
+              <a:rPr lang="th-TH" sz="3200" dirty="0" smtClean="0">
                 <a:cs typeface="+mj-cs"/>
               </a:rPr>
               <a:t>สนับสนุนให้ผู้ใช้เป็นผู้ควบคุมการทำงาน</a:t>
@@ -3238,12 +3310,12 @@
               <a:buAutoNum type="arabicPeriod"/>
             </a:pPr>
             <a:r>
-              <a:rPr lang="th-TH" dirty="0" smtClean="0">
+              <a:rPr lang="th-TH" sz="3200" dirty="0" smtClean="0">
                 <a:cs typeface="+mj-cs"/>
               </a:rPr>
               <a:t>ลดภาระในการจดจำ</a:t>
             </a:r>
-            <a:endParaRPr lang="th-TH" dirty="0">
+            <a:endParaRPr lang="th-TH" sz="3200" dirty="0">
               <a:cs typeface="+mj-cs"/>
             </a:endParaRPr>
           </a:p>
@@ -3290,14 +3362,44 @@
       </p:grpSpPr>
       <p:sp>
         <p:nvSpPr>
-          <p:cNvPr id="6" name="TextBox 5"/>
+          <p:cNvPr id="2" name="Title 1"/>
+          <p:cNvSpPr>
+            <a:spLocks noGrp="1"/>
+          </p:cNvSpPr>
+          <p:nvPr>
+            <p:ph type="title"/>
+          </p:nvPr>
+        </p:nvSpPr>
+        <p:spPr>
+          <a:xfrm>
+            <a:off x="994954" y="1442308"/>
+            <a:ext cx="10515600" cy="1325563"/>
+          </a:xfrm>
+        </p:spPr>
+        <p:txBody>
+          <a:bodyPr>
+            <a:normAutofit/>
+          </a:bodyPr>
+          <a:lstStyle/>
+          <a:p>
+            <a:r>
+              <a:rPr lang="th-TH" sz="3600" dirty="0" smtClean="0"/>
+              <a:t>โครงการพัฒนาระบบสารสนเทศไม่จำเป็นต้องจัดทำต้นแบบ ดังนั้นหากนักวิเคราะห์ระบบจัดทำต้นแบบ ก็เพราะว่า</a:t>
+            </a:r>
+            <a:endParaRPr lang="th-TH" sz="3600" dirty="0"/>
+          </a:p>
+        </p:txBody>
+      </p:sp>
+      <p:sp>
+        <p:nvSpPr>
+          <p:cNvPr id="4" name="TextBox 3"/>
           <p:cNvSpPr txBox="1"/>
           <p:nvPr/>
         </p:nvSpPr>
         <p:spPr>
           <a:xfrm>
-            <a:off x="1776548" y="679269"/>
-            <a:ext cx="6061166" cy="707886"/>
+            <a:off x="994954" y="587829"/>
+            <a:ext cx="6061166" cy="769441"/>
           </a:xfrm>
           <a:prstGeom prst="rect">
             <a:avLst/>
@@ -3311,18 +3413,18 @@
           <a:lstStyle/>
           <a:p>
             <a:r>
-              <a:rPr lang="th-TH" sz="4000" b="1" dirty="0" smtClean="0">
+              <a:rPr lang="th-TH" sz="4400" b="1" dirty="0" smtClean="0">
                 <a:cs typeface="+mj-cs"/>
               </a:rPr>
               <a:t>การจัดทำต้นแบบ</a:t>
             </a:r>
             <a:r>
-              <a:rPr lang="en-US" sz="4000" b="1" dirty="0" smtClean="0">
+              <a:rPr lang="en-US" sz="4400" b="1" dirty="0" smtClean="0">
                 <a:cs typeface="+mj-cs"/>
               </a:rPr>
               <a:t>(Prototyping)</a:t>
             </a:r>
-            <a:endParaRPr lang="th-TH" sz="4000" b="1" dirty="0">
+            <a:endParaRPr lang="th-TH" sz="4400" b="1" dirty="0">
               <a:cs typeface="+mj-cs"/>
             </a:endParaRPr>
           </a:p>
@@ -3330,14 +3432,14 @@
       </p:sp>
       <p:sp>
         <p:nvSpPr>
-          <p:cNvPr id="7" name="TextBox 6"/>
+          <p:cNvPr id="5" name="TextBox 4"/>
           <p:cNvSpPr txBox="1"/>
           <p:nvPr/>
         </p:nvSpPr>
         <p:spPr>
           <a:xfrm>
-            <a:off x="1534885" y="1698171"/>
-            <a:ext cx="7700555" cy="2677656"/>
+            <a:off x="1111348" y="3207434"/>
+            <a:ext cx="9917723" cy="1569660"/>
           </a:xfrm>
           <a:prstGeom prst="rect">
             <a:avLst/>
@@ -3351,43 +3453,55 @@
           <a:lstStyle/>
           <a:p>
             <a:r>
-              <a:rPr lang="en-US" dirty="0" smtClean="0">
+              <a:rPr lang="en-US" sz="3200" dirty="0" smtClean="0">
                 <a:cs typeface="+mj-cs"/>
               </a:rPr>
               <a:t>1.</a:t>
             </a:r>
             <a:r>
-              <a:rPr lang="th-TH" dirty="0" smtClean="0">
-                <a:cs typeface="+mj-cs"/>
-              </a:rPr>
-              <a:t>ต้นแบบที่ทำแล้วโยนทิ้ง เป็นเทคนิคการสร้างผลิตภัณฑ์ต้นแบบ เหมาะกับระบบงานที่ไม่มีความแน่นอน</a:t>
-            </a:r>
-          </a:p>
-          <a:p>
-            <a:endParaRPr lang="th-TH" dirty="0" smtClean="0">
+              <a:rPr lang="th-TH" sz="3200" dirty="0" smtClean="0">
+                <a:cs typeface="+mj-cs"/>
+              </a:rPr>
+              <a:t>ระบบงานจะได้รับการปรับปรุง เปลี่ยนแปลง ก่อนที่จะดำเนินการพัฒนาระบบจริง</a:t>
+            </a:r>
+          </a:p>
+          <a:p>
+            <a:r>
+              <a:rPr lang="en-US" sz="3200" dirty="0" smtClean="0">
+                <a:cs typeface="+mj-cs"/>
+              </a:rPr>
+              <a:t>2.</a:t>
+            </a:r>
+            <a:r>
+              <a:rPr lang="th-TH" sz="3200" dirty="0" smtClean="0">
+                <a:cs typeface="+mj-cs"/>
+              </a:rPr>
+              <a:t>สามารถกำจัดความต้องการบางส่วนที่ไม่ต้องการออกไป คงเหลือแต่ส่วนที่จำเป็นเท่านั้น</a:t>
+            </a:r>
+          </a:p>
+          <a:p>
+            <a:r>
+              <a:rPr lang="en-US" sz="3200" dirty="0" smtClean="0">
+                <a:cs typeface="+mj-cs"/>
+              </a:rPr>
+              <a:t>3.</a:t>
+            </a:r>
+            <a:r>
+              <a:rPr lang="th-TH" sz="3200" dirty="0" smtClean="0">
+                <a:cs typeface="+mj-cs"/>
+              </a:rPr>
+              <a:t>เพื่อให้ระบบที่ออกแบบมา ตรงตามความต้องการของผู้ใช้มากที่สุด</a:t>
+            </a:r>
+            <a:endParaRPr lang="th-TH" sz="3200" dirty="0">
               <a:cs typeface="+mj-cs"/>
             </a:endParaRPr>
-          </a:p>
-          <a:p>
-            <a:r>
-              <a:rPr lang="en-US" dirty="0" smtClean="0">
-                <a:cs typeface="+mj-cs"/>
-              </a:rPr>
-              <a:t>2.</a:t>
-            </a:r>
-            <a:r>
-              <a:rPr lang="th-TH" dirty="0" smtClean="0">
-                <a:cs typeface="+mj-cs"/>
-              </a:rPr>
-              <a:t>ต้นแบบที่พัฒนาการ เป็นการสร้างผลิตภัณฑ์ที่ตั้งอยู่บนรากฐานที่มีความมั่นคงขึ้นเรื่อยๆ ตรงความต้องการของผู้ใช้ จนกระทั่งท้ายที่สุดก็จะกลายเป็นระบบงานจริงขึ้นมา</a:t>
-            </a:r>
           </a:p>
         </p:txBody>
       </p:sp>
     </p:spTree>
     <p:extLst>
       <p:ext uri="{BB962C8B-B14F-4D97-AF65-F5344CB8AC3E}">
-        <p14:creationId xmlns:p14="http://schemas.microsoft.com/office/powerpoint/2010/main" val="1763932094"/>
+        <p14:creationId xmlns:p14="http://schemas.microsoft.com/office/powerpoint/2010/main" val="2306994256"/>
       </p:ext>
     </p:extLst>
   </p:cSld>
@@ -3425,14 +3539,14 @@
       </p:grpSpPr>
       <p:sp>
         <p:nvSpPr>
-          <p:cNvPr id="5" name="TextBox 4"/>
+          <p:cNvPr id="6" name="TextBox 5"/>
           <p:cNvSpPr txBox="1"/>
           <p:nvPr/>
         </p:nvSpPr>
         <p:spPr>
           <a:xfrm>
-            <a:off x="2364376" y="1058091"/>
-            <a:ext cx="6281833" cy="707886"/>
+            <a:off x="1776547" y="679269"/>
+            <a:ext cx="9139982" cy="769441"/>
           </a:xfrm>
           <a:prstGeom prst="rect">
             <a:avLst/>
@@ -3445,14 +3559,43 @@
           </a:bodyPr>
           <a:lstStyle/>
           <a:p>
-            <a:pPr algn="ctr"/>
-            <a:r>
-              <a:rPr lang="th-TH" sz="4000" b="1" dirty="0" smtClean="0">
-                <a:cs typeface="+mj-cs"/>
-              </a:rPr>
-              <a:t>กลยุทธ์การจัดทำต้นแบบ</a:t>
-            </a:r>
-            <a:endParaRPr lang="th-TH" sz="4000" b="1" dirty="0">
+            <a:r>
+              <a:rPr lang="th-TH" sz="4400" b="1" dirty="0" smtClean="0">
+                <a:cs typeface="+mj-cs"/>
+              </a:rPr>
+              <a:t>การจัดทำต้นแบบ</a:t>
+            </a:r>
+            <a:r>
+              <a:rPr lang="en-US" sz="4400" b="1" dirty="0" smtClean="0">
+                <a:cs typeface="+mj-cs"/>
+              </a:rPr>
+              <a:t>(Prototyping</a:t>
+            </a:r>
+            <a:r>
+              <a:rPr lang="en-US" sz="4400" b="1" dirty="0" smtClean="0">
+                <a:cs typeface="+mj-cs"/>
+              </a:rPr>
+              <a:t>) </a:t>
+            </a:r>
+            <a:r>
+              <a:rPr lang="th-TH" sz="4400" b="1" dirty="0" smtClean="0">
+                <a:cs typeface="+mj-cs"/>
+              </a:rPr>
+              <a:t>มี </a:t>
+            </a:r>
+            <a:r>
+              <a:rPr lang="en-US" sz="4400" b="1" dirty="0" smtClean="0">
+                <a:cs typeface="+mj-cs"/>
+              </a:rPr>
+              <a:t>2 </a:t>
+            </a:r>
+            <a:r>
+              <a:rPr lang="th-TH" sz="4400" b="1" dirty="0" smtClean="0">
+                <a:cs typeface="+mj-cs"/>
+              </a:rPr>
+              <a:t>ประเภท คือ </a:t>
+            </a:r>
+            <a:endParaRPr lang="th-TH" sz="4400" b="1" dirty="0">
               <a:cs typeface="+mj-cs"/>
             </a:endParaRPr>
           </a:p>
@@ -3460,14 +3603,14 @@
       </p:sp>
       <p:sp>
         <p:nvSpPr>
-          <p:cNvPr id="6" name="TextBox 5"/>
+          <p:cNvPr id="7" name="TextBox 6"/>
           <p:cNvSpPr txBox="1"/>
           <p:nvPr/>
         </p:nvSpPr>
         <p:spPr>
           <a:xfrm>
-            <a:off x="1763486" y="2076994"/>
-            <a:ext cx="8177348" cy="2246769"/>
+            <a:off x="1565533" y="2030771"/>
+            <a:ext cx="8985237" cy="3539430"/>
           </a:xfrm>
           <a:prstGeom prst="rect">
             <a:avLst/>
@@ -3481,46 +3624,64 @@
           <a:lstStyle/>
           <a:p>
             <a:r>
-              <a:rPr lang="en-US" dirty="0" smtClean="0">
+              <a:rPr lang="en-US" sz="3200" dirty="0" smtClean="0">
                 <a:cs typeface="+mj-cs"/>
               </a:rPr>
               <a:t>1.</a:t>
             </a:r>
             <a:r>
-              <a:rPr lang="th-TH" dirty="0" smtClean="0">
-                <a:cs typeface="+mj-cs"/>
-              </a:rPr>
-              <a:t>สร้างต้นแบบเฉพาะหน้าจอเท่านั้น คือ ข้อมูลที่แลกเปลี่ยนกันบนจอภาพ ควรมีส่วนเฉพาะที่จำเป็นเท่านั่น</a:t>
-            </a:r>
-          </a:p>
-          <a:p>
-            <a:endParaRPr lang="th-TH" dirty="0" smtClean="0">
+              <a:rPr lang="th-TH" sz="3200" dirty="0" smtClean="0">
+                <a:cs typeface="+mj-cs"/>
+              </a:rPr>
+              <a:t>ต้นแบบที่ทำแล้วโยนทิ้ง เป็นเทคนิคการสร้างผลิตภัณฑ์ต้นแบบ เหมาะกับระบบงานที่ไม่มีความ</a:t>
+            </a:r>
+            <a:r>
+              <a:rPr lang="th-TH" sz="3200" dirty="0" smtClean="0">
+                <a:cs typeface="+mj-cs"/>
+              </a:rPr>
+              <a:t>แน่นอน หรือเปลี่ยนแปลงบ่อย การจัดทำต้นแบบวิธีนี้ ช่วยลดความเสี่ยงลงได้บ้างเพื่อเตรียมดำเนินงานในขั้นตอนต่อไป</a:t>
+            </a:r>
+            <a:endParaRPr lang="th-TH" sz="3200" dirty="0" smtClean="0">
               <a:cs typeface="+mj-cs"/>
             </a:endParaRPr>
           </a:p>
           <a:p>
-            <a:r>
-              <a:rPr lang="en-US" dirty="0" smtClean="0">
-                <a:cs typeface="+mj-cs"/>
-              </a:rPr>
-              <a:t>2.</a:t>
-            </a:r>
-            <a:r>
-              <a:rPr lang="th-TH" dirty="0" smtClean="0">
-                <a:cs typeface="+mj-cs"/>
-              </a:rPr>
-              <a:t>สร้างต้นแบบเฉพาะส่วนประมวลผลเท่านั้น หน้าที่การมวลผลประกอบด้วย การนำข้อมูลเข้าการคำนวณ การเรียกดู และการแสดงผล</a:t>
-            </a:r>
-            <a:endParaRPr lang="th-TH" dirty="0">
+            <a:endParaRPr lang="th-TH" sz="3200" dirty="0" smtClean="0">
               <a:cs typeface="+mj-cs"/>
             </a:endParaRPr>
+          </a:p>
+          <a:p>
+            <a:r>
+              <a:rPr lang="en-US" sz="3200" dirty="0" smtClean="0">
+                <a:cs typeface="+mj-cs"/>
+              </a:rPr>
+              <a:t>2.</a:t>
+            </a:r>
+            <a:r>
+              <a:rPr lang="th-TH" sz="3200" dirty="0" smtClean="0">
+                <a:cs typeface="+mj-cs"/>
+              </a:rPr>
+              <a:t>ต้นแบบที่พัฒนาการ </a:t>
+            </a:r>
+            <a:r>
+              <a:rPr lang="th-TH" sz="3200" dirty="0" smtClean="0">
+                <a:cs typeface="+mj-cs"/>
+              </a:rPr>
+              <a:t>จะมีลักษณะตรงข้ามกับแบบแรก เป็น</a:t>
+            </a:r>
+            <a:r>
+              <a:rPr lang="th-TH" sz="3200" dirty="0" smtClean="0">
+                <a:cs typeface="+mj-cs"/>
+              </a:rPr>
+              <a:t>การสร้างผลิตภัณฑ์ที่ตั้งอยู่บนรากฐานที่มีความมั่นคงขึ้นเรื่อยๆ ตรงความต้องการของผู้ใช้ จนกระทั่งท้ายที่สุดก็จะกลายเป็นระบบงานจริงขึ้นมา</a:t>
+            </a:r>
           </a:p>
         </p:txBody>
       </p:sp>
     </p:spTree>
     <p:extLst>
       <p:ext uri="{BB962C8B-B14F-4D97-AF65-F5344CB8AC3E}">
-        <p14:creationId xmlns:p14="http://schemas.microsoft.com/office/powerpoint/2010/main" val="737027118"/>
+        <p14:creationId xmlns:p14="http://schemas.microsoft.com/office/powerpoint/2010/main" val="1763932094"/>
       </p:ext>
     </p:extLst>
   </p:cSld>
@@ -3558,14 +3719,14 @@
       </p:grpSpPr>
       <p:sp>
         <p:nvSpPr>
-          <p:cNvPr id="4" name="TextBox 3"/>
+          <p:cNvPr id="5" name="TextBox 4"/>
           <p:cNvSpPr txBox="1"/>
           <p:nvPr/>
         </p:nvSpPr>
         <p:spPr>
           <a:xfrm>
-            <a:off x="1240971" y="1058092"/>
-            <a:ext cx="9235440" cy="2431435"/>
+            <a:off x="2336241" y="945550"/>
+            <a:ext cx="6281833" cy="769441"/>
           </a:xfrm>
           <a:prstGeom prst="rect">
             <a:avLst/>
@@ -3578,37 +3739,107 @@
           </a:bodyPr>
           <a:lstStyle/>
           <a:p>
-            <a:r>
-              <a:rPr lang="th-TH" sz="4000" b="1" dirty="0" smtClean="0">
-                <a:cs typeface="+mj-cs"/>
-              </a:rPr>
-              <a:t>การออกแบบโปรแกรม</a:t>
-            </a:r>
-            <a:r>
-              <a:rPr lang="en-US" sz="4000" b="1" dirty="0" smtClean="0">
-                <a:cs typeface="+mj-cs"/>
-              </a:rPr>
-              <a:t>(Program Design)</a:t>
-            </a:r>
-          </a:p>
-          <a:p>
-            <a:endParaRPr lang="en-US" dirty="0" smtClean="0">
+            <a:pPr algn="ctr"/>
+            <a:r>
+              <a:rPr lang="th-TH" sz="4400" b="1" dirty="0" smtClean="0">
+                <a:cs typeface="+mj-cs"/>
+              </a:rPr>
+              <a:t>กลยุทธ์การจัดทำต้นแบบ</a:t>
+            </a:r>
+            <a:endParaRPr lang="th-TH" sz="4400" b="1" dirty="0">
               <a:cs typeface="+mj-cs"/>
             </a:endParaRPr>
           </a:p>
-          <a:p>
-            <a:endParaRPr lang="en-US" dirty="0">
+        </p:txBody>
+      </p:sp>
+      <p:sp>
+        <p:nvSpPr>
+          <p:cNvPr id="6" name="TextBox 5"/>
+          <p:cNvSpPr txBox="1"/>
+          <p:nvPr/>
+        </p:nvSpPr>
+        <p:spPr>
+          <a:xfrm>
+            <a:off x="1510267" y="1978520"/>
+            <a:ext cx="9926766" cy="5016758"/>
+          </a:xfrm>
+          <a:prstGeom prst="rect">
+            <a:avLst/>
+          </a:prstGeom>
+          <a:noFill/>
+        </p:spPr>
+        <p:txBody>
+          <a:bodyPr wrap="square" rtlCol="0">
+            <a:spAutoFit/>
+          </a:bodyPr>
+          <a:lstStyle/>
+          <a:p>
+            <a:r>
+              <a:rPr lang="en-US" sz="3200" dirty="0" smtClean="0">
+                <a:cs typeface="+mj-cs"/>
+              </a:rPr>
+              <a:t>1.</a:t>
+            </a:r>
+            <a:r>
+              <a:rPr lang="th-TH" sz="3200" dirty="0" smtClean="0">
+                <a:cs typeface="+mj-cs"/>
+              </a:rPr>
+              <a:t>สร้างต้นแบบเฉพาะหน้าจอเท่านั้น คือ ข้อมูลที่แลกเปลี่ยนกันบนจอภาพ ควรมีส่วนเฉพาะที่จำเป็นเท่า</a:t>
+            </a:r>
+            <a:r>
+              <a:rPr lang="th-TH" sz="3200" dirty="0" smtClean="0">
+                <a:cs typeface="+mj-cs"/>
+              </a:rPr>
+              <a:t>นั่น และควรออกแบบหน้าจอให้เป็นไปตามหลักการออกแบบหน้าจอที่ดี</a:t>
+            </a:r>
+            <a:endParaRPr lang="th-TH" sz="3200" dirty="0" smtClean="0">
               <a:cs typeface="+mj-cs"/>
             </a:endParaRPr>
           </a:p>
           <a:p>
             <a:r>
-              <a:rPr lang="th-TH" dirty="0" smtClean="0">
-                <a:cs typeface="+mj-cs"/>
-              </a:rPr>
-              <a:t>การโปรแกรมเชิงโครงสร้าง จะเกี่ยวข้องกับวิธีการพัฒนาโปรแกรมแบบบนลงล่าง ด้วยการออกแบบในภาพรวมก่อน แล้วจึงออกแบบในระดับรายละเอียด</a:t>
-            </a:r>
-            <a:endParaRPr lang="th-TH" dirty="0">
+              <a:rPr lang="en-US" sz="3200" dirty="0" smtClean="0">
+                <a:cs typeface="+mj-cs"/>
+              </a:rPr>
+              <a:t>2.</a:t>
+            </a:r>
+            <a:r>
+              <a:rPr lang="th-TH" sz="3200" dirty="0" smtClean="0">
+                <a:cs typeface="+mj-cs"/>
+              </a:rPr>
+              <a:t>สร้างต้นแบบเฉพาะส่วนประมวลผลเท่านั้น หน้าที่การมวลผลประกอบด้วย การนำข้อมูลเข้าการคำนวณ การเรียกดู และการ</a:t>
+            </a:r>
+            <a:r>
+              <a:rPr lang="th-TH" sz="3200" dirty="0" smtClean="0">
+                <a:cs typeface="+mj-cs"/>
+              </a:rPr>
+              <a:t>แสดงผล โดยต้นแบบนี้จะมุ่งประเด็นในเรื่องกิจกรรมที่กำลังดำเนินการอยู่นั้น ว่าจะมีผลลัพธ์ออกมาอย่างไร</a:t>
+            </a:r>
+          </a:p>
+          <a:p>
+            <a:r>
+              <a:rPr lang="en-US" sz="3200" dirty="0" smtClean="0">
+                <a:cs typeface="+mj-cs"/>
+              </a:rPr>
+              <a:t>3. </a:t>
+            </a:r>
+            <a:r>
+              <a:rPr lang="th-TH" sz="3200" dirty="0" smtClean="0">
+                <a:cs typeface="+mj-cs"/>
+              </a:rPr>
+              <a:t>สร้างต้นแบบเฉพาะส่วนงานที่เป็นสายหลักเท่านั้น ควรเลือกฟังก์ชันที่เป็นสายงานหลักจริงๆ เท่านั้น ส่วนงานรูทีนในอันดับรองลงมา ก็ไม่จำเป็นต้องจัดทำ เพื่อลดค่าใช้จ่ายและแรงงานคน</a:t>
+            </a:r>
+            <a:endParaRPr lang="th-TH" sz="3200" dirty="0" smtClean="0">
+              <a:cs typeface="+mj-cs"/>
+            </a:endParaRPr>
+          </a:p>
+          <a:p>
+            <a:endParaRPr lang="th-TH" sz="3200" dirty="0">
+              <a:cs typeface="+mj-cs"/>
+            </a:endParaRPr>
+          </a:p>
+          <a:p>
+            <a:endParaRPr lang="th-TH" sz="3200" dirty="0">
               <a:cs typeface="+mj-cs"/>
             </a:endParaRPr>
           </a:p>
@@ -3617,7 +3848,7 @@
     </p:spTree>
     <p:extLst>
       <p:ext uri="{BB962C8B-B14F-4D97-AF65-F5344CB8AC3E}">
-        <p14:creationId xmlns:p14="http://schemas.microsoft.com/office/powerpoint/2010/main" val="3541764177"/>
+        <p14:creationId xmlns:p14="http://schemas.microsoft.com/office/powerpoint/2010/main" val="737027118"/>
       </p:ext>
     </p:extLst>
   </p:cSld>
@@ -3661,8 +3892,8 @@
         </p:nvSpPr>
         <p:spPr>
           <a:xfrm>
-            <a:off x="1502229" y="1123406"/>
-            <a:ext cx="8608422" cy="707886"/>
+            <a:off x="1240971" y="1058092"/>
+            <a:ext cx="9235440" cy="3231654"/>
           </a:xfrm>
           <a:prstGeom prst="rect">
             <a:avLst/>
@@ -3675,54 +3906,43 @@
           </a:bodyPr>
           <a:lstStyle/>
           <a:p>
-            <a:pPr algn="ctr"/>
-            <a:r>
-              <a:rPr lang="th-TH" sz="4000" b="1" dirty="0" smtClean="0">
-                <a:cs typeface="+mj-cs"/>
-              </a:rPr>
-              <a:t>ผังโครงสร้าง </a:t>
-            </a:r>
-            <a:r>
-              <a:rPr lang="en-US" sz="4000" b="1" dirty="0" smtClean="0">
-                <a:cs typeface="+mj-cs"/>
-              </a:rPr>
-              <a:t>(Structure Charts)</a:t>
-            </a:r>
-            <a:endParaRPr lang="th-TH" sz="4000" b="1" dirty="0">
+            <a:r>
+              <a:rPr lang="th-TH" sz="4400" b="1" dirty="0" smtClean="0">
+                <a:cs typeface="+mj-cs"/>
+              </a:rPr>
+              <a:t>การออกแบบโปรแกรม</a:t>
+            </a:r>
+            <a:r>
+              <a:rPr lang="en-US" sz="4400" b="1" dirty="0" smtClean="0">
+                <a:cs typeface="+mj-cs"/>
+              </a:rPr>
+              <a:t>(Program Design)</a:t>
+            </a:r>
+          </a:p>
+          <a:p>
+            <a:endParaRPr lang="en-US" sz="3200" dirty="0" smtClean="0">
               <a:cs typeface="+mj-cs"/>
             </a:endParaRPr>
           </a:p>
-        </p:txBody>
-      </p:sp>
-      <p:sp>
-        <p:nvSpPr>
-          <p:cNvPr id="5" name="TextBox 4"/>
-          <p:cNvSpPr txBox="1"/>
-          <p:nvPr/>
-        </p:nvSpPr>
-        <p:spPr>
-          <a:xfrm>
-            <a:off x="1371599" y="2390504"/>
-            <a:ext cx="9157064" cy="1384995"/>
-          </a:xfrm>
-          <a:prstGeom prst="rect">
-            <a:avLst/>
-          </a:prstGeom>
-          <a:noFill/>
-        </p:spPr>
-        <p:txBody>
-          <a:bodyPr wrap="square" rtlCol="0">
-            <a:spAutoFit/>
-          </a:bodyPr>
-          <a:lstStyle/>
-          <a:p>
-            <a:r>
-              <a:rPr lang="th-TH" dirty="0" smtClean="0">
-                <a:cs typeface="+mj-cs"/>
-              </a:rPr>
-              <a:t>เป็นแบบจำลองที่แสดงให้เห็นถึงโมดูลภายในโปรแกรม รวมถึงความสัมพันธ์ของแต่ละโมดูล สำหรับโมดูลระดับบนสุดจะเรียกว่า โมดูลควบคุม ทำหน้าที่สั่งการโมดูลที่อยู่ในระดับต่ำลงมา หรือที่เรียกว่า โมดูลใต้บังคับบัญชา</a:t>
-            </a:r>
-            <a:endParaRPr lang="th-TH" dirty="0">
+          <a:p>
+            <a:endParaRPr lang="en-US" sz="3200" dirty="0">
+              <a:cs typeface="+mj-cs"/>
+            </a:endParaRPr>
+          </a:p>
+          <a:p>
+            <a:r>
+              <a:rPr lang="th-TH" sz="3200" dirty="0" smtClean="0">
+                <a:cs typeface="+mj-cs"/>
+              </a:rPr>
+              <a:t>การโปรแกรมเชิงโครงสร้าง จะเกี่ยวข้องกับวิธีการพัฒนาโปรแกรมแบบบนลงล่าง ด้วยการออกแบบในภาพรวมก่อน แล้วจึงออกแบบในระดับ</a:t>
+            </a:r>
+            <a:r>
+              <a:rPr lang="th-TH" sz="3200" dirty="0" smtClean="0">
+                <a:cs typeface="+mj-cs"/>
+              </a:rPr>
+              <a:t>รายละเอียด มีข้อดีคือ ช่วยลดความซับซ้อนและทำให้การบำรุงรักษาโปรแกรมง่ายขึ้น</a:t>
+            </a:r>
+            <a:endParaRPr lang="th-TH" sz="3200" dirty="0">
               <a:cs typeface="+mj-cs"/>
             </a:endParaRPr>
           </a:p>
@@ -3731,7 +3951,7 @@
     </p:spTree>
     <p:extLst>
       <p:ext uri="{BB962C8B-B14F-4D97-AF65-F5344CB8AC3E}">
-        <p14:creationId xmlns:p14="http://schemas.microsoft.com/office/powerpoint/2010/main" val="1633213008"/>
+        <p14:creationId xmlns:p14="http://schemas.microsoft.com/office/powerpoint/2010/main" val="3541764177"/>
       </p:ext>
     </p:extLst>
   </p:cSld>
@@ -3775,6 +3995,120 @@
         </p:nvSpPr>
         <p:spPr>
           <a:xfrm>
+            <a:off x="1502229" y="1123406"/>
+            <a:ext cx="8608422" cy="769441"/>
+          </a:xfrm>
+          <a:prstGeom prst="rect">
+            <a:avLst/>
+          </a:prstGeom>
+          <a:noFill/>
+        </p:spPr>
+        <p:txBody>
+          <a:bodyPr wrap="square" rtlCol="0">
+            <a:spAutoFit/>
+          </a:bodyPr>
+          <a:lstStyle/>
+          <a:p>
+            <a:pPr algn="ctr"/>
+            <a:r>
+              <a:rPr lang="th-TH" sz="4400" b="1" dirty="0" smtClean="0">
+                <a:cs typeface="+mj-cs"/>
+              </a:rPr>
+              <a:t>ผังโครงสร้าง </a:t>
+            </a:r>
+            <a:r>
+              <a:rPr lang="en-US" sz="4400" b="1" dirty="0" smtClean="0">
+                <a:cs typeface="+mj-cs"/>
+              </a:rPr>
+              <a:t>(Structure Charts)</a:t>
+            </a:r>
+            <a:endParaRPr lang="th-TH" sz="4400" b="1" dirty="0">
+              <a:cs typeface="+mj-cs"/>
+            </a:endParaRPr>
+          </a:p>
+        </p:txBody>
+      </p:sp>
+      <p:sp>
+        <p:nvSpPr>
+          <p:cNvPr id="5" name="TextBox 4"/>
+          <p:cNvSpPr txBox="1"/>
+          <p:nvPr/>
+        </p:nvSpPr>
+        <p:spPr>
+          <a:xfrm>
+            <a:off x="1371599" y="2390504"/>
+            <a:ext cx="9157064" cy="1569660"/>
+          </a:xfrm>
+          <a:prstGeom prst="rect">
+            <a:avLst/>
+          </a:prstGeom>
+          <a:noFill/>
+        </p:spPr>
+        <p:txBody>
+          <a:bodyPr wrap="square" rtlCol="0">
+            <a:spAutoFit/>
+          </a:bodyPr>
+          <a:lstStyle/>
+          <a:p>
+            <a:r>
+              <a:rPr lang="th-TH" sz="3200" dirty="0" smtClean="0">
+                <a:cs typeface="+mj-cs"/>
+              </a:rPr>
+              <a:t>เป็นแบบจำลองที่แสดงให้เห็นถึงโมดูลภายในโปรแกรม รวมถึงความสัมพันธ์ของแต่ละโมดูล สำหรับโมดูลระดับบนสุดจะเรียกว่า โมดูลควบคุม ทำหน้าที่สั่งการโมดูลที่อยู่ในระดับต่ำลงมา หรือที่เรียกว่า โมดูลใต้บังคับบัญชา</a:t>
+            </a:r>
+            <a:endParaRPr lang="th-TH" sz="3200" dirty="0">
+              <a:cs typeface="+mj-cs"/>
+            </a:endParaRPr>
+          </a:p>
+        </p:txBody>
+      </p:sp>
+    </p:spTree>
+    <p:extLst>
+      <p:ext uri="{BB962C8B-B14F-4D97-AF65-F5344CB8AC3E}">
+        <p14:creationId xmlns:p14="http://schemas.microsoft.com/office/powerpoint/2010/main" val="1633213008"/>
+      </p:ext>
+    </p:extLst>
+  </p:cSld>
+  <p:clrMapOvr>
+    <a:masterClrMapping/>
+  </p:clrMapOvr>
+</p:sld>
+</file>
+
+<file path=ppt/slides/slide8.xml><?xml version="1.0" encoding="utf-8"?>
+<p:sld xmlns:a="http://schemas.openxmlformats.org/drawingml/2006/main" xmlns:r="http://schemas.openxmlformats.org/officeDocument/2006/relationships" xmlns:p="http://schemas.openxmlformats.org/presentationml/2006/main">
+  <p:cSld>
+    <p:bg>
+      <p:bgPr>
+        <a:blipFill>
+          <a:blip r:embed="rId2"/>
+          <a:tile tx="0" ty="0" sx="100000" sy="100000" flip="none" algn="tl"/>
+        </a:blipFill>
+        <a:effectLst/>
+      </p:bgPr>
+    </p:bg>
+    <p:spTree>
+      <p:nvGrpSpPr>
+        <p:cNvPr id="1" name=""/>
+        <p:cNvGrpSpPr/>
+        <p:nvPr/>
+      </p:nvGrpSpPr>
+      <p:grpSpPr>
+        <a:xfrm>
+          <a:off x="0" y="0"/>
+          <a:ext cx="0" cy="0"/>
+          <a:chOff x="0" y="0"/>
+          <a:chExt cx="0" cy="0"/>
+        </a:xfrm>
+      </p:grpSpPr>
+      <p:sp>
+        <p:nvSpPr>
+          <p:cNvPr id="4" name="TextBox 3"/>
+          <p:cNvSpPr txBox="1"/>
+          <p:nvPr/>
+        </p:nvSpPr>
+        <p:spPr>
+          <a:xfrm>
             <a:off x="1110343" y="940527"/>
             <a:ext cx="9705703" cy="707886"/>
           </a:xfrm>
@@ -3829,7 +4163,7 @@
         <p:spPr>
           <a:xfrm>
             <a:off x="1110343" y="1998618"/>
-            <a:ext cx="8543108" cy="3108543"/>
+            <a:ext cx="8543108" cy="4031873"/>
           </a:xfrm>
           <a:prstGeom prst="rect">
             <a:avLst/>
@@ -3843,61 +4177,61 @@
           <a:lstStyle/>
           <a:p>
             <a:r>
-              <a:rPr lang="en-US" dirty="0" smtClean="0">
+              <a:rPr lang="en-US" sz="3200" dirty="0" smtClean="0">
                 <a:cs typeface="+mj-cs"/>
               </a:rPr>
               <a:t>1.</a:t>
             </a:r>
             <a:r>
-              <a:rPr lang="th-TH" dirty="0" smtClean="0">
+              <a:rPr lang="th-TH" sz="3200" dirty="0" smtClean="0">
                 <a:cs typeface="+mj-cs"/>
               </a:rPr>
               <a:t>ควรออกแบบแต่ละโมดูลให้มีความเป็นหนึ่งเดียวสูง </a:t>
             </a:r>
             <a:r>
-              <a:rPr lang="en-US" dirty="0" smtClean="0">
+              <a:rPr lang="en-US" sz="3200" dirty="0" smtClean="0">
                 <a:cs typeface="+mj-cs"/>
               </a:rPr>
               <a:t>(High Cohesion) </a:t>
             </a:r>
             <a:r>
-              <a:rPr lang="th-TH" dirty="0" smtClean="0">
+              <a:rPr lang="th-TH" sz="3200" dirty="0" smtClean="0">
                 <a:cs typeface="+mj-cs"/>
               </a:rPr>
               <a:t>มุ่งเน้นการออกแบบในลักษณะบนลงล่าง มีการออกแบบให้ง่ายต่อการเข้าใจ และบำรุงรักษาง่าย จะมีการแตกความซับซ้อนออกเป็นโมดูลย่อยๆ หรือแบบลำดับชั้น</a:t>
             </a:r>
           </a:p>
           <a:p>
-            <a:endParaRPr lang="th-TH" dirty="0" smtClean="0">
+            <a:endParaRPr lang="th-TH" sz="3200" dirty="0" smtClean="0">
               <a:cs typeface="+mj-cs"/>
             </a:endParaRPr>
           </a:p>
           <a:p>
             <a:r>
-              <a:rPr lang="en-US" dirty="0" smtClean="0">
+              <a:rPr lang="en-US" sz="3200" dirty="0" smtClean="0">
                 <a:cs typeface="+mj-cs"/>
               </a:rPr>
               <a:t>2.</a:t>
             </a:r>
             <a:r>
-              <a:rPr lang="th-TH" dirty="0" smtClean="0">
+              <a:rPr lang="th-TH" sz="3200" dirty="0" smtClean="0">
                 <a:cs typeface="+mj-cs"/>
               </a:rPr>
               <a:t>ควรออกแบบแต่ละโมดูลให้มีความสัมพันธ์กันแบบหลวมๆ</a:t>
             </a:r>
             <a:r>
-              <a:rPr lang="en-US" dirty="0" smtClean="0">
+              <a:rPr lang="en-US" sz="3200" dirty="0" smtClean="0">
                 <a:cs typeface="+mj-cs"/>
               </a:rPr>
               <a:t>(Loosely Coupled)</a:t>
             </a:r>
             <a:r>
-              <a:rPr lang="th-TH" dirty="0" smtClean="0">
+              <a:rPr lang="th-TH" sz="3200" dirty="0" smtClean="0">
                 <a:cs typeface="+mj-cs"/>
               </a:rPr>
               <a:t> คือการออกแบบให้โมดูลหนึ่งๆมีความขึ้นต่อกันกับโมดูลอื่นๆ ที่เกี่ยวข้องให้น้อยที่สุด เพราะจะช่วยลดการพึ่งพาอาศัยกันระหว่างโมดูลได้</a:t>
             </a:r>
-            <a:endParaRPr lang="th-TH" dirty="0">
+            <a:endParaRPr lang="th-TH" sz="3200" dirty="0">
               <a:cs typeface="+mj-cs"/>
             </a:endParaRPr>
           </a:p>
